--- a/inst/quarto/ppt_template1.pptx
+++ b/inst/quarto/ppt_template1.pptx
@@ -4,6 +4,9 @@
   <p:sldMasterIdLst>
     <p:sldMasterId id="2147483648" r:id="rId1"/>
   </p:sldMasterIdLst>
+  <p:handoutMasterIdLst>
+    <p:handoutMasterId r:id="rId9"/>
+  </p:handoutMasterIdLst>
   <p:sldIdLst>
     <p:sldId id="256" r:id="rId2"/>
     <p:sldId id="257" r:id="rId3"/>
@@ -125,8 +128,200 @@
         </p15:guide>
       </p15:sldGuideLst>
     </p:ext>
+    <p:ext uri="{2D200454-40CA-4A62-9FC3-DE9A4176ACB9}">
+      <p15:notesGuideLst xmlns:p15="http://schemas.microsoft.com/office/powerpoint/2012/main"/>
+    </p:ext>
   </p:extLst>
 </p:presentation>
+</file>
+
+<file path=ppt/handoutMasters/handoutMaster1.xml><?xml version="1.0" encoding="utf-8"?>
+<p:handoutMaster xmlns:a="http://schemas.openxmlformats.org/drawingml/2006/main" xmlns:r="http://schemas.openxmlformats.org/officeDocument/2006/relationships" xmlns:p="http://schemas.openxmlformats.org/presentationml/2006/main">
+  <p:cSld>
+    <p:bg>
+      <p:bgRef idx="1001">
+        <a:schemeClr val="bg1"/>
+      </p:bgRef>
+    </p:bg>
+    <p:spTree>
+      <p:nvGrpSpPr>
+        <p:cNvPr id="1" name=""/>
+        <p:cNvGrpSpPr/>
+        <p:nvPr/>
+      </p:nvGrpSpPr>
+      <p:grpSpPr>
+        <a:xfrm>
+          <a:off x="0" y="0"/>
+          <a:ext cx="0" cy="0"/>
+          <a:chOff x="0" y="0"/>
+          <a:chExt cx="0" cy="0"/>
+        </a:xfrm>
+      </p:grpSpPr>
+      <p:sp>
+        <p:nvSpPr>
+          <p:cNvPr id="2" name="Header Placeholder 1">
+            <a:extLst>
+              <a:ext uri="{FF2B5EF4-FFF2-40B4-BE49-F238E27FC236}">
+                <a16:creationId xmlns:a16="http://schemas.microsoft.com/office/drawing/2014/main" id="{5AB52965-B02A-0FB1-0A72-8636CAA3768D}"/>
+              </a:ext>
+            </a:extLst>
+          </p:cNvPr>
+          <p:cNvSpPr>
+            <a:spLocks noGrp="1"/>
+          </p:cNvSpPr>
+          <p:nvPr>
+            <p:ph type="hdr" sz="quarter"/>
+          </p:nvPr>
+        </p:nvSpPr>
+        <p:spPr>
+          <a:xfrm>
+            <a:off x="0" y="0"/>
+            <a:ext cx="2971800" cy="458788"/>
+          </a:xfrm>
+          <a:prstGeom prst="rect">
+            <a:avLst/>
+          </a:prstGeom>
+        </p:spPr>
+        <p:txBody>
+          <a:bodyPr vert="horz" lIns="91440" tIns="45720" rIns="91440" bIns="45720" rtlCol="0"/>
+          <a:lstStyle>
+            <a:lvl1pPr algn="l">
+              <a:defRPr sz="1200"/>
+            </a:lvl1pPr>
+          </a:lstStyle>
+          <a:p>
+            <a:endParaRPr lang="de-CH"/>
+          </a:p>
+        </p:txBody>
+      </p:sp>
+      <p:sp>
+        <p:nvSpPr>
+          <p:cNvPr id="3" name="Date Placeholder 2">
+            <a:extLst>
+              <a:ext uri="{FF2B5EF4-FFF2-40B4-BE49-F238E27FC236}">
+                <a16:creationId xmlns:a16="http://schemas.microsoft.com/office/drawing/2014/main" id="{DF333E09-337E-DF92-C0A3-6FFE94D02EC4}"/>
+              </a:ext>
+            </a:extLst>
+          </p:cNvPr>
+          <p:cNvSpPr>
+            <a:spLocks noGrp="1"/>
+          </p:cNvSpPr>
+          <p:nvPr>
+            <p:ph type="dt" sz="quarter" idx="1"/>
+          </p:nvPr>
+        </p:nvSpPr>
+        <p:spPr>
+          <a:xfrm>
+            <a:off x="3884613" y="0"/>
+            <a:ext cx="2971800" cy="458788"/>
+          </a:xfrm>
+          <a:prstGeom prst="rect">
+            <a:avLst/>
+          </a:prstGeom>
+        </p:spPr>
+        <p:txBody>
+          <a:bodyPr vert="horz" lIns="91440" tIns="45720" rIns="91440" bIns="45720" rtlCol="0"/>
+          <a:lstStyle>
+            <a:lvl1pPr algn="r">
+              <a:defRPr sz="1200"/>
+            </a:lvl1pPr>
+          </a:lstStyle>
+          <a:p>
+            <a:fld id="{2435C90A-F43F-4ABC-951D-BFBFB1AF96CB}" type="datetimeFigureOut">
+              <a:rPr lang="de-CH" smtClean="0"/>
+              <a:t>03.06.2025</a:t>
+            </a:fld>
+            <a:endParaRPr lang="de-CH"/>
+          </a:p>
+        </p:txBody>
+      </p:sp>
+      <p:sp>
+        <p:nvSpPr>
+          <p:cNvPr id="4" name="Footer Placeholder 3">
+            <a:extLst>
+              <a:ext uri="{FF2B5EF4-FFF2-40B4-BE49-F238E27FC236}">
+                <a16:creationId xmlns:a16="http://schemas.microsoft.com/office/drawing/2014/main" id="{DACA420A-C7BD-4C9B-4B0E-7C6A3416884D}"/>
+              </a:ext>
+            </a:extLst>
+          </p:cNvPr>
+          <p:cNvSpPr>
+            <a:spLocks noGrp="1"/>
+          </p:cNvSpPr>
+          <p:nvPr>
+            <p:ph type="ftr" sz="quarter" idx="2"/>
+          </p:nvPr>
+        </p:nvSpPr>
+        <p:spPr>
+          <a:xfrm>
+            <a:off x="0" y="8685213"/>
+            <a:ext cx="2971800" cy="458787"/>
+          </a:xfrm>
+          <a:prstGeom prst="rect">
+            <a:avLst/>
+          </a:prstGeom>
+        </p:spPr>
+        <p:txBody>
+          <a:bodyPr vert="horz" lIns="91440" tIns="45720" rIns="91440" bIns="45720" rtlCol="0" anchor="b"/>
+          <a:lstStyle>
+            <a:lvl1pPr algn="l">
+              <a:defRPr sz="1200"/>
+            </a:lvl1pPr>
+          </a:lstStyle>
+          <a:p>
+            <a:endParaRPr lang="de-CH"/>
+          </a:p>
+        </p:txBody>
+      </p:sp>
+      <p:sp>
+        <p:nvSpPr>
+          <p:cNvPr id="5" name="Slide Number Placeholder 4">
+            <a:extLst>
+              <a:ext uri="{FF2B5EF4-FFF2-40B4-BE49-F238E27FC236}">
+                <a16:creationId xmlns:a16="http://schemas.microsoft.com/office/drawing/2014/main" id="{4A758BCE-FBC4-41F0-42A7-1FF9E58664BC}"/>
+              </a:ext>
+            </a:extLst>
+          </p:cNvPr>
+          <p:cNvSpPr>
+            <a:spLocks noGrp="1"/>
+          </p:cNvSpPr>
+          <p:nvPr>
+            <p:ph type="sldNum" sz="quarter" idx="3"/>
+          </p:nvPr>
+        </p:nvSpPr>
+        <p:spPr>
+          <a:xfrm>
+            <a:off x="3884613" y="8685213"/>
+            <a:ext cx="2971800" cy="458787"/>
+          </a:xfrm>
+          <a:prstGeom prst="rect">
+            <a:avLst/>
+          </a:prstGeom>
+        </p:spPr>
+        <p:txBody>
+          <a:bodyPr vert="horz" lIns="91440" tIns="45720" rIns="91440" bIns="45720" rtlCol="0" anchor="b"/>
+          <a:lstStyle>
+            <a:lvl1pPr algn="r">
+              <a:defRPr sz="1200"/>
+            </a:lvl1pPr>
+          </a:lstStyle>
+          <a:p>
+            <a:fld id="{8238A5C2-B647-4159-BD0C-B3C2CD433983}" type="slidenum">
+              <a:rPr lang="de-CH" smtClean="0"/>
+              <a:t>‹#›</a:t>
+            </a:fld>
+            <a:endParaRPr lang="de-CH"/>
+          </a:p>
+        </p:txBody>
+      </p:sp>
+    </p:spTree>
+    <p:extLst>
+      <p:ext uri="{BB962C8B-B14F-4D97-AF65-F5344CB8AC3E}">
+        <p14:creationId xmlns:p14="http://schemas.microsoft.com/office/powerpoint/2010/main" val="3772099462"/>
+      </p:ext>
+    </p:extLst>
+  </p:cSld>
+  <p:clrMap bg1="lt1" tx1="dk1" bg2="lt2" tx2="dk2" accent1="accent1" accent2="accent2" accent3="accent3" accent4="accent4" accent5="accent5" accent6="accent6" hlink="hlink" folHlink="folHlink"/>
+</p:handoutMaster>
 </file>
 
 <file path=ppt/slideLayouts/slideLayout1.xml><?xml version="1.0" encoding="utf-8"?>
@@ -477,13 +672,6 @@
   <p:clrMapOvr>
     <a:masterClrMapping/>
   </p:clrMapOvr>
-  <p:timing>
-    <p:tnLst>
-      <p:par>
-        <p:cTn id="1" dur="indefinite" restart="never" nodeType="tmRoot"/>
-      </p:par>
-    </p:tnLst>
-  </p:timing>
 </p:sldLayout>
 </file>
 
@@ -559,39 +747,70 @@
         <p:spPr/>
         <p:txBody>
           <a:bodyPr vert="eaVert"/>
-          <a:lstStyle/>
+          <a:lstStyle>
+            <a:lvl1pPr>
+              <a:defRPr sz="1600">
+                <a:latin typeface="Arial" panose="020B0604020202020204" pitchFamily="34" charset="0"/>
+                <a:cs typeface="Arial" panose="020B0604020202020204" pitchFamily="34" charset="0"/>
+              </a:defRPr>
+            </a:lvl1pPr>
+            <a:lvl2pPr>
+              <a:defRPr sz="1400">
+                <a:latin typeface="Arial" panose="020B0604020202020204" pitchFamily="34" charset="0"/>
+                <a:cs typeface="Arial" panose="020B0604020202020204" pitchFamily="34" charset="0"/>
+              </a:defRPr>
+            </a:lvl2pPr>
+            <a:lvl3pPr>
+              <a:defRPr sz="1200">
+                <a:latin typeface="Arial" panose="020B0604020202020204" pitchFamily="34" charset="0"/>
+                <a:cs typeface="Arial" panose="020B0604020202020204" pitchFamily="34" charset="0"/>
+              </a:defRPr>
+            </a:lvl3pPr>
+            <a:lvl4pPr>
+              <a:defRPr sz="1000">
+                <a:latin typeface="Arial" panose="020B0604020202020204" pitchFamily="34" charset="0"/>
+                <a:cs typeface="Arial" panose="020B0604020202020204" pitchFamily="34" charset="0"/>
+              </a:defRPr>
+            </a:lvl4pPr>
+            <a:lvl5pPr>
+              <a:defRPr sz="900">
+                <a:latin typeface="Arial" panose="020B0604020202020204" pitchFamily="34" charset="0"/>
+                <a:cs typeface="Arial" panose="020B0604020202020204" pitchFamily="34" charset="0"/>
+              </a:defRPr>
+            </a:lvl5pPr>
+          </a:lstStyle>
           <a:p>
             <a:pPr lvl="0"/>
             <a:r>
-              <a:rPr lang="en-US"/>
+              <a:rPr lang="en-US" dirty="0"/>
               <a:t>Click to edit Master text styles</a:t>
             </a:r>
           </a:p>
           <a:p>
             <a:pPr lvl="1"/>
             <a:r>
-              <a:rPr lang="en-US"/>
+              <a:rPr lang="en-US" dirty="0"/>
               <a:t>Second level</a:t>
             </a:r>
           </a:p>
           <a:p>
             <a:pPr lvl="2"/>
             <a:r>
-              <a:rPr lang="en-US"/>
+              <a:rPr lang="en-US" dirty="0"/>
               <a:t>Third level</a:t>
             </a:r>
           </a:p>
           <a:p>
             <a:pPr lvl="3"/>
             <a:r>
-              <a:rPr lang="en-US"/>
+              <a:rPr lang="en-US" dirty="0"/>
               <a:t>Fourth level</a:t>
             </a:r>
           </a:p>
           <a:p>
             <a:pPr lvl="4"/>
             <a:r>
-              <a:rPr lang="en-US"/>
+              <a:rPr lang="en-US" dirty="0"/>
               <a:t>Fifth level</a:t>
             </a:r>
           </a:p>
@@ -862,10 +1081,17 @@
         </p:spPr>
         <p:txBody>
           <a:bodyPr vert="eaVert"/>
-          <a:lstStyle/>
-          <a:p>
-            <a:r>
-              <a:rPr lang="en-US"/>
+          <a:lstStyle>
+            <a:lvl1pPr>
+              <a:defRPr>
+                <a:latin typeface="Arial" panose="020B0604020202020204" pitchFamily="34" charset="0"/>
+                <a:cs typeface="Arial" panose="020B0604020202020204" pitchFamily="34" charset="0"/>
+              </a:defRPr>
+            </a:lvl1pPr>
+          </a:lstStyle>
+          <a:p>
+            <a:r>
+              <a:rPr lang="en-US" dirty="0"/>
               <a:t>Click to edit Master title style</a:t>
             </a:r>
           </a:p>
@@ -889,39 +1115,70 @@
         </p:spPr>
         <p:txBody>
           <a:bodyPr vert="eaVert"/>
-          <a:lstStyle/>
+          <a:lstStyle>
+            <a:lvl1pPr>
+              <a:defRPr>
+                <a:latin typeface="Arial" panose="020B0604020202020204" pitchFamily="34" charset="0"/>
+                <a:cs typeface="Arial" panose="020B0604020202020204" pitchFamily="34" charset="0"/>
+              </a:defRPr>
+            </a:lvl1pPr>
+            <a:lvl2pPr>
+              <a:defRPr>
+                <a:latin typeface="Arial" panose="020B0604020202020204" pitchFamily="34" charset="0"/>
+                <a:cs typeface="Arial" panose="020B0604020202020204" pitchFamily="34" charset="0"/>
+              </a:defRPr>
+            </a:lvl2pPr>
+            <a:lvl3pPr>
+              <a:defRPr>
+                <a:latin typeface="Arial" panose="020B0604020202020204" pitchFamily="34" charset="0"/>
+                <a:cs typeface="Arial" panose="020B0604020202020204" pitchFamily="34" charset="0"/>
+              </a:defRPr>
+            </a:lvl3pPr>
+            <a:lvl4pPr>
+              <a:defRPr>
+                <a:latin typeface="Arial" panose="020B0604020202020204" pitchFamily="34" charset="0"/>
+                <a:cs typeface="Arial" panose="020B0604020202020204" pitchFamily="34" charset="0"/>
+              </a:defRPr>
+            </a:lvl4pPr>
+            <a:lvl5pPr>
+              <a:defRPr>
+                <a:latin typeface="Arial" panose="020B0604020202020204" pitchFamily="34" charset="0"/>
+                <a:cs typeface="Arial" panose="020B0604020202020204" pitchFamily="34" charset="0"/>
+              </a:defRPr>
+            </a:lvl5pPr>
+          </a:lstStyle>
           <a:p>
             <a:pPr lvl="0"/>
             <a:r>
-              <a:rPr lang="en-US"/>
+              <a:rPr lang="en-US" dirty="0"/>
               <a:t>Click to edit Master text styles</a:t>
             </a:r>
           </a:p>
           <a:p>
             <a:pPr lvl="1"/>
             <a:r>
-              <a:rPr lang="en-US"/>
+              <a:rPr lang="en-US" dirty="0"/>
               <a:t>Second level</a:t>
             </a:r>
           </a:p>
           <a:p>
             <a:pPr lvl="2"/>
             <a:r>
-              <a:rPr lang="en-US"/>
+              <a:rPr lang="en-US" dirty="0"/>
               <a:t>Third level</a:t>
             </a:r>
           </a:p>
           <a:p>
             <a:pPr lvl="3"/>
             <a:r>
-              <a:rPr lang="en-US"/>
+              <a:rPr lang="en-US" dirty="0"/>
               <a:t>Fourth level</a:t>
             </a:r>
           </a:p>
           <a:p>
             <a:pPr lvl="4"/>
             <a:r>
-              <a:rPr lang="en-US"/>
+              <a:rPr lang="en-US" dirty="0"/>
               <a:t>Fifth level</a:t>
             </a:r>
           </a:p>
@@ -1229,7 +1486,38 @@
         <p:spPr/>
         <p:txBody>
           <a:bodyPr/>
-          <a:lstStyle/>
+          <a:lstStyle>
+            <a:lvl1pPr>
+              <a:defRPr sz="1600">
+                <a:latin typeface="Arial" panose="020B0604020202020204" pitchFamily="34" charset="0"/>
+                <a:cs typeface="Arial" panose="020B0604020202020204" pitchFamily="34" charset="0"/>
+              </a:defRPr>
+            </a:lvl1pPr>
+            <a:lvl2pPr>
+              <a:defRPr sz="1400">
+                <a:latin typeface="Arial" panose="020B0604020202020204" pitchFamily="34" charset="0"/>
+                <a:cs typeface="Arial" panose="020B0604020202020204" pitchFamily="34" charset="0"/>
+              </a:defRPr>
+            </a:lvl2pPr>
+            <a:lvl3pPr>
+              <a:defRPr sz="1200">
+                <a:latin typeface="Arial" panose="020B0604020202020204" pitchFamily="34" charset="0"/>
+                <a:cs typeface="Arial" panose="020B0604020202020204" pitchFamily="34" charset="0"/>
+              </a:defRPr>
+            </a:lvl3pPr>
+            <a:lvl4pPr>
+              <a:defRPr sz="1000">
+                <a:latin typeface="Arial" panose="020B0604020202020204" pitchFamily="34" charset="0"/>
+                <a:cs typeface="Arial" panose="020B0604020202020204" pitchFamily="34" charset="0"/>
+              </a:defRPr>
+            </a:lvl4pPr>
+            <a:lvl5pPr>
+              <a:defRPr sz="900">
+                <a:latin typeface="Arial" panose="020B0604020202020204" pitchFamily="34" charset="0"/>
+                <a:cs typeface="Arial" panose="020B0604020202020204" pitchFamily="34" charset="0"/>
+              </a:defRPr>
+            </a:lvl5pPr>
+          </a:lstStyle>
           <a:p>
             <a:pPr lvl="0"/>
             <a:r>
@@ -1494,13 +1782,6 @@
   <p:clrMapOvr>
     <a:masterClrMapping/>
   </p:clrMapOvr>
-  <p:timing>
-    <p:tnLst>
-      <p:par>
-        <p:cTn id="1" dur="indefinite" restart="never" nodeType="tmRoot"/>
-      </p:par>
-    </p:tnLst>
-  </p:timing>
 </p:sldLayout>
 </file>
 
@@ -1829,7 +2110,7 @@
                 <a:tabLst/>
                 <a:defRPr/>
               </a:pPr>
-              <a:endParaRPr kumimoji="0" lang="en-US" sz="1800" b="0" i="0" u="none" strike="noStrike" kern="0" cap="none" spc="0" normalizeH="0" baseline="0" noProof="0" dirty="0" smtClean="0">
+              <a:endParaRPr kumimoji="0" lang="en-US" sz="1800" b="0" i="0" u="none" strike="noStrike" kern="0" cap="none" spc="0" normalizeH="0" baseline="0" noProof="0" dirty="0">
                 <a:ln>
                   <a:noFill/>
                 </a:ln>
@@ -2073,7 +2354,7 @@
                 <a:tabLst/>
                 <a:defRPr/>
               </a:pPr>
-              <a:endParaRPr kumimoji="0" lang="en-US" sz="1800" b="0" i="0" u="none" strike="noStrike" kern="0" cap="none" spc="0" normalizeH="0" baseline="0" noProof="0" dirty="0" smtClean="0">
+              <a:endParaRPr kumimoji="0" lang="en-US" sz="1800" b="0" i="0" u="none" strike="noStrike" kern="0" cap="none" spc="0" normalizeH="0" baseline="0" noProof="0" dirty="0">
                 <a:ln>
                   <a:noFill/>
                 </a:ln>
@@ -2267,7 +2548,7 @@
                 <a:tabLst/>
                 <a:defRPr/>
               </a:pPr>
-              <a:endParaRPr kumimoji="0" lang="en-US" sz="1800" b="0" i="0" u="none" strike="noStrike" kern="0" cap="none" spc="0" normalizeH="0" baseline="0" noProof="0" dirty="0" smtClean="0">
+              <a:endParaRPr kumimoji="0" lang="en-US" sz="1800" b="0" i="0" u="none" strike="noStrike" kern="0" cap="none" spc="0" normalizeH="0" baseline="0" noProof="0" dirty="0">
                 <a:ln>
                   <a:noFill/>
                 </a:ln>
@@ -2427,7 +2708,7 @@
                 <a:tabLst/>
                 <a:defRPr/>
               </a:pPr>
-              <a:endParaRPr kumimoji="0" lang="en-US" sz="1800" b="0" i="0" u="none" strike="noStrike" kern="0" cap="none" spc="0" normalizeH="0" baseline="0" noProof="0" dirty="0" smtClean="0">
+              <a:endParaRPr kumimoji="0" lang="en-US" sz="1800" b="0" i="0" u="none" strike="noStrike" kern="0" cap="none" spc="0" normalizeH="0" baseline="0" noProof="0" dirty="0">
                 <a:ln>
                   <a:noFill/>
                 </a:ln>
@@ -2674,13 +2955,6 @@
   <p:clrMapOvr>
     <a:masterClrMapping/>
   </p:clrMapOvr>
-  <p:timing>
-    <p:tnLst>
-      <p:par>
-        <p:cTn id="1" dur="indefinite" restart="never" nodeType="tmRoot"/>
-      </p:par>
-    </p:tnLst>
-  </p:timing>
 </p:sldLayout>
 </file>
 
@@ -2763,19 +3037,34 @@
           <a:bodyPr/>
           <a:lstStyle>
             <a:lvl1pPr>
-              <a:defRPr sz="2100"/>
+              <a:defRPr sz="1600">
+                <a:latin typeface="Arial" panose="020B0604020202020204" pitchFamily="34" charset="0"/>
+                <a:cs typeface="Arial" panose="020B0604020202020204" pitchFamily="34" charset="0"/>
+              </a:defRPr>
             </a:lvl1pPr>
             <a:lvl2pPr>
-              <a:defRPr sz="1800"/>
+              <a:defRPr sz="1400">
+                <a:latin typeface="Arial" panose="020B0604020202020204" pitchFamily="34" charset="0"/>
+                <a:cs typeface="Arial" panose="020B0604020202020204" pitchFamily="34" charset="0"/>
+              </a:defRPr>
             </a:lvl2pPr>
             <a:lvl3pPr>
-              <a:defRPr sz="1500"/>
+              <a:defRPr sz="1200">
+                <a:latin typeface="Arial" panose="020B0604020202020204" pitchFamily="34" charset="0"/>
+                <a:cs typeface="Arial" panose="020B0604020202020204" pitchFamily="34" charset="0"/>
+              </a:defRPr>
             </a:lvl3pPr>
             <a:lvl4pPr>
-              <a:defRPr sz="1350"/>
+              <a:defRPr sz="1000">
+                <a:latin typeface="Arial" panose="020B0604020202020204" pitchFamily="34" charset="0"/>
+                <a:cs typeface="Arial" panose="020B0604020202020204" pitchFamily="34" charset="0"/>
+              </a:defRPr>
             </a:lvl4pPr>
             <a:lvl5pPr>
-              <a:defRPr sz="1350"/>
+              <a:defRPr sz="900">
+                <a:latin typeface="Arial" panose="020B0604020202020204" pitchFamily="34" charset="0"/>
+                <a:cs typeface="Arial" panose="020B0604020202020204" pitchFamily="34" charset="0"/>
+              </a:defRPr>
             </a:lvl5pPr>
             <a:lvl6pPr>
               <a:defRPr sz="1350"/>
@@ -2793,35 +3082,35 @@
           <a:p>
             <a:pPr lvl="0"/>
             <a:r>
-              <a:rPr lang="en-US"/>
+              <a:rPr lang="en-US" dirty="0"/>
               <a:t>Click to edit Master text styles</a:t>
             </a:r>
           </a:p>
           <a:p>
             <a:pPr lvl="1"/>
             <a:r>
-              <a:rPr lang="en-US"/>
+              <a:rPr lang="en-US" dirty="0"/>
               <a:t>Second level</a:t>
             </a:r>
           </a:p>
           <a:p>
             <a:pPr lvl="2"/>
             <a:r>
-              <a:rPr lang="en-US"/>
+              <a:rPr lang="en-US" dirty="0"/>
               <a:t>Third level</a:t>
             </a:r>
           </a:p>
           <a:p>
             <a:pPr lvl="3"/>
             <a:r>
-              <a:rPr lang="en-US"/>
+              <a:rPr lang="en-US" dirty="0"/>
               <a:t>Fourth level</a:t>
             </a:r>
           </a:p>
           <a:p>
             <a:pPr lvl="4"/>
             <a:r>
-              <a:rPr lang="en-US"/>
+              <a:rPr lang="en-US" dirty="0"/>
               <a:t>Fifth level</a:t>
             </a:r>
           </a:p>
@@ -2847,19 +3136,34 @@
           <a:bodyPr/>
           <a:lstStyle>
             <a:lvl1pPr>
-              <a:defRPr sz="2100"/>
+              <a:defRPr sz="1600">
+                <a:latin typeface="Arial" panose="020B0604020202020204" pitchFamily="34" charset="0"/>
+                <a:cs typeface="Arial" panose="020B0604020202020204" pitchFamily="34" charset="0"/>
+              </a:defRPr>
             </a:lvl1pPr>
             <a:lvl2pPr>
-              <a:defRPr sz="1800"/>
+              <a:defRPr sz="1400">
+                <a:latin typeface="Arial" panose="020B0604020202020204" pitchFamily="34" charset="0"/>
+                <a:cs typeface="Arial" panose="020B0604020202020204" pitchFamily="34" charset="0"/>
+              </a:defRPr>
             </a:lvl2pPr>
             <a:lvl3pPr>
-              <a:defRPr sz="1500"/>
+              <a:defRPr sz="1200">
+                <a:latin typeface="Arial" panose="020B0604020202020204" pitchFamily="34" charset="0"/>
+                <a:cs typeface="Arial" panose="020B0604020202020204" pitchFamily="34" charset="0"/>
+              </a:defRPr>
             </a:lvl3pPr>
             <a:lvl4pPr>
-              <a:defRPr sz="1350"/>
+              <a:defRPr sz="1000">
+                <a:latin typeface="Arial" panose="020B0604020202020204" pitchFamily="34" charset="0"/>
+                <a:cs typeface="Arial" panose="020B0604020202020204" pitchFamily="34" charset="0"/>
+              </a:defRPr>
             </a:lvl4pPr>
             <a:lvl5pPr>
-              <a:defRPr sz="1350"/>
+              <a:defRPr sz="900">
+                <a:latin typeface="Arial" panose="020B0604020202020204" pitchFamily="34" charset="0"/>
+                <a:cs typeface="Arial" panose="020B0604020202020204" pitchFamily="34" charset="0"/>
+              </a:defRPr>
             </a:lvl5pPr>
             <a:lvl6pPr>
               <a:defRPr sz="1350"/>
@@ -2877,35 +3181,35 @@
           <a:p>
             <a:pPr lvl="0"/>
             <a:r>
-              <a:rPr lang="en-US"/>
+              <a:rPr lang="en-US" dirty="0"/>
               <a:t>Click to edit Master text styles</a:t>
             </a:r>
           </a:p>
           <a:p>
             <a:pPr lvl="1"/>
             <a:r>
-              <a:rPr lang="en-US"/>
+              <a:rPr lang="en-US" dirty="0"/>
               <a:t>Second level</a:t>
             </a:r>
           </a:p>
           <a:p>
             <a:pPr lvl="2"/>
             <a:r>
-              <a:rPr lang="en-US"/>
+              <a:rPr lang="en-US" dirty="0"/>
               <a:t>Third level</a:t>
             </a:r>
           </a:p>
           <a:p>
             <a:pPr lvl="3"/>
             <a:r>
-              <a:rPr lang="en-US"/>
+              <a:rPr lang="en-US" dirty="0"/>
               <a:t>Fourth level</a:t>
             </a:r>
           </a:p>
           <a:p>
             <a:pPr lvl="4"/>
             <a:r>
-              <a:rPr lang="en-US"/>
+              <a:rPr lang="en-US" dirty="0"/>
               <a:t>Fifth level</a:t>
             </a:r>
           </a:p>
@@ -3165,13 +3469,6 @@
   <p:clrMapOvr>
     <a:masterClrMapping/>
   </p:clrMapOvr>
-  <p:timing>
-    <p:tnLst>
-      <p:par>
-        <p:cTn id="1" dur="indefinite" restart="never" nodeType="tmRoot"/>
-      </p:par>
-    </p:tnLst>
-  </p:timing>
 </p:sldLayout>
 </file>
 
@@ -3255,7 +3552,10 @@
           <a:lstStyle>
             <a:lvl1pPr marL="0" indent="0">
               <a:buNone/>
-              <a:defRPr sz="1800" b="1"/>
+              <a:defRPr sz="1800" b="1">
+                <a:latin typeface="Arial" panose="020B0604020202020204" pitchFamily="34" charset="0"/>
+                <a:cs typeface="Arial" panose="020B0604020202020204" pitchFamily="34" charset="0"/>
+              </a:defRPr>
             </a:lvl1pPr>
             <a:lvl2pPr marL="342900" indent="0">
               <a:buNone/>
@@ -3293,7 +3593,7 @@
           <a:p>
             <a:pPr lvl="0"/>
             <a:r>
-              <a:rPr lang="en-US"/>
+              <a:rPr lang="en-US" dirty="0"/>
               <a:t>Click to edit Master text styles</a:t>
             </a:r>
           </a:p>
@@ -3319,19 +3619,34 @@
           <a:bodyPr/>
           <a:lstStyle>
             <a:lvl1pPr>
-              <a:defRPr sz="1800"/>
+              <a:defRPr sz="1600">
+                <a:latin typeface="Arial" panose="020B0604020202020204" pitchFamily="34" charset="0"/>
+                <a:cs typeface="Arial" panose="020B0604020202020204" pitchFamily="34" charset="0"/>
+              </a:defRPr>
             </a:lvl1pPr>
             <a:lvl2pPr>
-              <a:defRPr sz="1500"/>
+              <a:defRPr sz="1400">
+                <a:latin typeface="Arial" panose="020B0604020202020204" pitchFamily="34" charset="0"/>
+                <a:cs typeface="Arial" panose="020B0604020202020204" pitchFamily="34" charset="0"/>
+              </a:defRPr>
             </a:lvl2pPr>
             <a:lvl3pPr>
-              <a:defRPr sz="1350"/>
+              <a:defRPr sz="1200">
+                <a:latin typeface="Arial" panose="020B0604020202020204" pitchFamily="34" charset="0"/>
+                <a:cs typeface="Arial" panose="020B0604020202020204" pitchFamily="34" charset="0"/>
+              </a:defRPr>
             </a:lvl3pPr>
             <a:lvl4pPr>
-              <a:defRPr sz="1200"/>
+              <a:defRPr sz="1000">
+                <a:latin typeface="Arial" panose="020B0604020202020204" pitchFamily="34" charset="0"/>
+                <a:cs typeface="Arial" panose="020B0604020202020204" pitchFamily="34" charset="0"/>
+              </a:defRPr>
             </a:lvl4pPr>
             <a:lvl5pPr>
-              <a:defRPr sz="1200"/>
+              <a:defRPr sz="900">
+                <a:latin typeface="Arial" panose="020B0604020202020204" pitchFamily="34" charset="0"/>
+                <a:cs typeface="Arial" panose="020B0604020202020204" pitchFamily="34" charset="0"/>
+              </a:defRPr>
             </a:lvl5pPr>
             <a:lvl6pPr>
               <a:defRPr sz="1200"/>
@@ -3349,35 +3664,35 @@
           <a:p>
             <a:pPr lvl="0"/>
             <a:r>
-              <a:rPr lang="en-US"/>
+              <a:rPr lang="en-US" dirty="0"/>
               <a:t>Click to edit Master text styles</a:t>
             </a:r>
           </a:p>
           <a:p>
             <a:pPr lvl="1"/>
             <a:r>
-              <a:rPr lang="en-US"/>
+              <a:rPr lang="en-US" dirty="0"/>
               <a:t>Second level</a:t>
             </a:r>
           </a:p>
           <a:p>
             <a:pPr lvl="2"/>
             <a:r>
-              <a:rPr lang="en-US"/>
+              <a:rPr lang="en-US" dirty="0"/>
               <a:t>Third level</a:t>
             </a:r>
           </a:p>
           <a:p>
             <a:pPr lvl="3"/>
             <a:r>
-              <a:rPr lang="en-US"/>
+              <a:rPr lang="en-US" dirty="0"/>
               <a:t>Fourth level</a:t>
             </a:r>
           </a:p>
           <a:p>
             <a:pPr lvl="4"/>
             <a:r>
-              <a:rPr lang="en-US"/>
+              <a:rPr lang="en-US" dirty="0"/>
               <a:t>Fifth level</a:t>
             </a:r>
           </a:p>
@@ -3404,7 +3719,10 @@
           <a:lstStyle>
             <a:lvl1pPr marL="0" indent="0">
               <a:buNone/>
-              <a:defRPr sz="1800" b="1"/>
+              <a:defRPr sz="1800" b="1">
+                <a:latin typeface="Arial" panose="020B0604020202020204" pitchFamily="34" charset="0"/>
+                <a:cs typeface="Arial" panose="020B0604020202020204" pitchFamily="34" charset="0"/>
+              </a:defRPr>
             </a:lvl1pPr>
             <a:lvl2pPr marL="342900" indent="0">
               <a:buNone/>
@@ -3442,7 +3760,7 @@
           <a:p>
             <a:pPr lvl="0"/>
             <a:r>
-              <a:rPr lang="en-US"/>
+              <a:rPr lang="en-US" dirty="0"/>
               <a:t>Click to edit Master text styles</a:t>
             </a:r>
           </a:p>
@@ -3468,19 +3786,34 @@
           <a:bodyPr/>
           <a:lstStyle>
             <a:lvl1pPr>
-              <a:defRPr sz="1800"/>
+              <a:defRPr sz="1600">
+                <a:latin typeface="Arial" panose="020B0604020202020204" pitchFamily="34" charset="0"/>
+                <a:cs typeface="Arial" panose="020B0604020202020204" pitchFamily="34" charset="0"/>
+              </a:defRPr>
             </a:lvl1pPr>
             <a:lvl2pPr>
-              <a:defRPr sz="1500"/>
+              <a:defRPr sz="1400">
+                <a:latin typeface="Arial" panose="020B0604020202020204" pitchFamily="34" charset="0"/>
+                <a:cs typeface="Arial" panose="020B0604020202020204" pitchFamily="34" charset="0"/>
+              </a:defRPr>
             </a:lvl2pPr>
             <a:lvl3pPr>
-              <a:defRPr sz="1350"/>
+              <a:defRPr sz="1200">
+                <a:latin typeface="Arial" panose="020B0604020202020204" pitchFamily="34" charset="0"/>
+                <a:cs typeface="Arial" panose="020B0604020202020204" pitchFamily="34" charset="0"/>
+              </a:defRPr>
             </a:lvl3pPr>
             <a:lvl4pPr>
-              <a:defRPr sz="1200"/>
+              <a:defRPr sz="1000">
+                <a:latin typeface="Arial" panose="020B0604020202020204" pitchFamily="34" charset="0"/>
+                <a:cs typeface="Arial" panose="020B0604020202020204" pitchFamily="34" charset="0"/>
+              </a:defRPr>
             </a:lvl4pPr>
             <a:lvl5pPr>
-              <a:defRPr sz="1200"/>
+              <a:defRPr sz="900">
+                <a:latin typeface="Arial" panose="020B0604020202020204" pitchFamily="34" charset="0"/>
+                <a:cs typeface="Arial" panose="020B0604020202020204" pitchFamily="34" charset="0"/>
+              </a:defRPr>
             </a:lvl5pPr>
             <a:lvl6pPr>
               <a:defRPr sz="1200"/>
@@ -3498,35 +3831,35 @@
           <a:p>
             <a:pPr lvl="0"/>
             <a:r>
-              <a:rPr lang="en-US"/>
+              <a:rPr lang="en-US" dirty="0"/>
               <a:t>Click to edit Master text styles</a:t>
             </a:r>
           </a:p>
           <a:p>
             <a:pPr lvl="1"/>
             <a:r>
-              <a:rPr lang="en-US"/>
+              <a:rPr lang="en-US" dirty="0"/>
               <a:t>Second level</a:t>
             </a:r>
           </a:p>
           <a:p>
             <a:pPr lvl="2"/>
             <a:r>
-              <a:rPr lang="en-US"/>
+              <a:rPr lang="en-US" dirty="0"/>
               <a:t>Third level</a:t>
             </a:r>
           </a:p>
           <a:p>
             <a:pPr lvl="3"/>
             <a:r>
-              <a:rPr lang="en-US"/>
+              <a:rPr lang="en-US" dirty="0"/>
               <a:t>Fourth level</a:t>
             </a:r>
           </a:p>
           <a:p>
             <a:pPr lvl="4"/>
             <a:r>
-              <a:rPr lang="en-US"/>
+              <a:rPr lang="en-US" dirty="0"/>
               <a:t>Fifth level</a:t>
             </a:r>
           </a:p>
@@ -4421,19 +4754,34 @@
           <a:bodyPr/>
           <a:lstStyle>
             <a:lvl1pPr>
-              <a:defRPr sz="2400"/>
+              <a:defRPr sz="1600">
+                <a:latin typeface="Arial" panose="020B0604020202020204" pitchFamily="34" charset="0"/>
+                <a:cs typeface="Arial" panose="020B0604020202020204" pitchFamily="34" charset="0"/>
+              </a:defRPr>
             </a:lvl1pPr>
             <a:lvl2pPr>
-              <a:defRPr sz="2100"/>
+              <a:defRPr sz="1400">
+                <a:latin typeface="Arial" panose="020B0604020202020204" pitchFamily="34" charset="0"/>
+                <a:cs typeface="Arial" panose="020B0604020202020204" pitchFamily="34" charset="0"/>
+              </a:defRPr>
             </a:lvl2pPr>
             <a:lvl3pPr>
-              <a:defRPr sz="1800"/>
+              <a:defRPr sz="1200">
+                <a:latin typeface="Arial" panose="020B0604020202020204" pitchFamily="34" charset="0"/>
+                <a:cs typeface="Arial" panose="020B0604020202020204" pitchFamily="34" charset="0"/>
+              </a:defRPr>
             </a:lvl3pPr>
             <a:lvl4pPr>
-              <a:defRPr sz="1500"/>
+              <a:defRPr sz="1000">
+                <a:latin typeface="Arial" panose="020B0604020202020204" pitchFamily="34" charset="0"/>
+                <a:cs typeface="Arial" panose="020B0604020202020204" pitchFamily="34" charset="0"/>
+              </a:defRPr>
             </a:lvl4pPr>
             <a:lvl5pPr>
-              <a:defRPr sz="1500"/>
+              <a:defRPr sz="900">
+                <a:latin typeface="Arial" panose="020B0604020202020204" pitchFamily="34" charset="0"/>
+                <a:cs typeface="Arial" panose="020B0604020202020204" pitchFamily="34" charset="0"/>
+              </a:defRPr>
             </a:lvl5pPr>
             <a:lvl6pPr>
               <a:defRPr sz="1500"/>
@@ -4506,7 +4854,10 @@
           <a:lstStyle>
             <a:lvl1pPr marL="0" indent="0">
               <a:buNone/>
-              <a:defRPr sz="1050"/>
+              <a:defRPr sz="1050">
+                <a:latin typeface="Arial" panose="020B0604020202020204" pitchFamily="34" charset="0"/>
+                <a:cs typeface="Arial" panose="020B0604020202020204" pitchFamily="34" charset="0"/>
+              </a:defRPr>
             </a:lvl1pPr>
             <a:lvl2pPr marL="342900" indent="0">
               <a:buNone/>
@@ -4864,12 +5215,15 @@
           <a:bodyPr anchor="b"/>
           <a:lstStyle>
             <a:lvl1pPr algn="l">
-              <a:defRPr sz="1500" b="1"/>
+              <a:defRPr sz="1500" b="1">
+                <a:latin typeface="Arial" panose="020B0604020202020204" pitchFamily="34" charset="0"/>
+                <a:cs typeface="Arial" panose="020B0604020202020204" pitchFamily="34" charset="0"/>
+              </a:defRPr>
             </a:lvl1pPr>
           </a:lstStyle>
           <a:p>
             <a:r>
-              <a:rPr lang="en-US"/>
+              <a:rPr lang="en-US" dirty="0"/>
               <a:t>Click to edit Master title style</a:t>
             </a:r>
           </a:p>
@@ -4896,7 +5250,10 @@
           <a:lstStyle>
             <a:lvl1pPr marL="0" indent="0">
               <a:buNone/>
-              <a:defRPr sz="2400"/>
+              <a:defRPr sz="2400">
+                <a:latin typeface="Arial" panose="020B0604020202020204" pitchFamily="34" charset="0"/>
+                <a:cs typeface="Arial" panose="020B0604020202020204" pitchFamily="34" charset="0"/>
+              </a:defRPr>
             </a:lvl1pPr>
             <a:lvl2pPr marL="342900" indent="0">
               <a:buNone/>
@@ -4932,7 +5289,7 @@
             </a:lvl9pPr>
           </a:lstStyle>
           <a:p>
-            <a:endParaRPr lang="en-US"/>
+            <a:endParaRPr lang="en-US" dirty="0"/>
           </a:p>
         </p:txBody>
       </p:sp>
@@ -4957,7 +5314,10 @@
           <a:lstStyle>
             <a:lvl1pPr marL="0" indent="0">
               <a:buNone/>
-              <a:defRPr sz="1050"/>
+              <a:defRPr sz="1050">
+                <a:latin typeface="Arial" panose="020B0604020202020204" pitchFamily="34" charset="0"/>
+                <a:cs typeface="Arial" panose="020B0604020202020204" pitchFamily="34" charset="0"/>
+              </a:defRPr>
             </a:lvl1pPr>
             <a:lvl2pPr marL="342900" indent="0">
               <a:buNone/>
@@ -4995,7 +5355,7 @@
           <a:p>
             <a:pPr lvl="0"/>
             <a:r>
-              <a:rPr lang="en-US"/>
+              <a:rPr lang="en-US" dirty="0"/>
               <a:t>Click to edit Master text styles</a:t>
             </a:r>
           </a:p>
@@ -5279,7 +5639,7 @@
           <a:lstStyle/>
           <a:p>
             <a:r>
-              <a:rPr kumimoji="0" lang="en-US" sz="2400" b="0" i="0" u="none" strike="noStrike" kern="1200" cap="none" spc="0" normalizeH="0" baseline="0" noProof="0" dirty="0" smtClean="0">
+              <a:rPr kumimoji="0" lang="en-US" sz="2400" b="0" i="0" u="none" strike="noStrike" kern="1200" cap="none" spc="0" normalizeH="0" baseline="0" noProof="0" dirty="0">
                 <a:ln>
                   <a:noFill/>
                 </a:ln>
@@ -5346,7 +5706,7 @@
               <a:defRPr/>
             </a:pPr>
             <a:r>
-              <a:rPr kumimoji="0" lang="en-US" sz="1800" b="0" i="0" u="none" strike="noStrike" kern="1200" cap="none" spc="0" normalizeH="0" baseline="0" noProof="0" dirty="0" smtClean="0">
+              <a:rPr kumimoji="0" lang="en-US" sz="1800" b="0" i="0" u="none" strike="noStrike" kern="1200" cap="none" spc="0" normalizeH="0" baseline="0" noProof="0" dirty="0">
                 <a:ln>
                   <a:noFill/>
                 </a:ln>
@@ -5384,7 +5744,7 @@
               <a:defRPr/>
             </a:pPr>
             <a:r>
-              <a:rPr kumimoji="0" lang="en-US" sz="1600" b="0" i="0" u="none" strike="noStrike" kern="1200" cap="none" spc="0" normalizeH="0" baseline="0" noProof="0" dirty="0" smtClean="0">
+              <a:rPr kumimoji="0" lang="en-US" sz="1600" b="0" i="0" u="none" strike="noStrike" kern="1200" cap="none" spc="0" normalizeH="0" baseline="0" noProof="0" dirty="0">
                 <a:ln>
                   <a:noFill/>
                 </a:ln>
@@ -5422,7 +5782,7 @@
               <a:defRPr/>
             </a:pPr>
             <a:r>
-              <a:rPr kumimoji="0" lang="en-US" sz="1600" b="0" i="0" u="none" strike="noStrike" kern="1200" cap="none" spc="0" normalizeH="0" baseline="0" noProof="0" dirty="0" smtClean="0">
+              <a:rPr kumimoji="0" lang="en-US" sz="1600" b="0" i="0" u="none" strike="noStrike" kern="1200" cap="none" spc="0" normalizeH="0" baseline="0" noProof="0" dirty="0">
                 <a:ln>
                   <a:noFill/>
                 </a:ln>
@@ -5438,20 +5798,6 @@
               </a:rPr>
               <a:t>Third level</a:t>
             </a:r>
-            <a:endParaRPr kumimoji="0" lang="en-US" sz="1600" b="0" i="0" u="none" strike="noStrike" kern="1200" cap="none" spc="0" normalizeH="0" baseline="0" noProof="0" dirty="0">
-              <a:ln>
-                <a:noFill/>
-              </a:ln>
-              <a:solidFill>
-                <a:srgbClr val="000000"/>
-              </a:solidFill>
-              <a:effectLst/>
-              <a:uLnTx/>
-              <a:uFillTx/>
-              <a:latin typeface="Arial" panose="020B0604020202020204" pitchFamily="34" charset="0"/>
-              <a:ea typeface="+mn-ea"/>
-              <a:cs typeface="+mn-cs"/>
-            </a:endParaRPr>
           </a:p>
         </p:txBody>
       </p:sp>
@@ -5513,13 +5859,6 @@
     <p:sldLayoutId id="2147483658" r:id="rId10"/>
     <p:sldLayoutId id="2147483659" r:id="rId11"/>
   </p:sldLayoutIdLst>
-  <p:timing>
-    <p:tnLst>
-      <p:par>
-        <p:cTn id="1" dur="indefinite" restart="never" nodeType="tmRoot"/>
-      </p:par>
-    </p:tnLst>
-  </p:timing>
   <p:hf hdr="0" dt="0"/>
   <p:txStyles>
     <p:titleStyle>
@@ -5850,7 +6189,6 @@
               <a:buNone/>
             </a:pPr>
             <a:r>
-              <a:rPr/>
               <a:t>Swiss TPH Powerpoint presentation example</a:t>
             </a:r>
           </a:p>
@@ -5882,19 +6220,11 @@
               <a:buNone/>
             </a:pPr>
             <a:r>
-              <a:rPr/>
               <a:t>My example subtitle</a:t>
             </a:r>
-            <a:r>
-              <a:t/>
-            </a:r>
             <a:br/>
-            <a:r>
-              <a:t/>
-            </a:r>
             <a:br/>
             <a:r>
-              <a:rPr/>
               <a:t>Research IT</a:t>
             </a:r>
           </a:p>
@@ -5949,7 +6279,6 @@
               <a:buNone/>
             </a:pPr>
             <a:r>
-              <a:rPr/>
               <a:t>Introduction to Quarto</a:t>
             </a:r>
           </a:p>
@@ -5999,7 +6328,6 @@
               <a:buNone/>
             </a:pPr>
             <a:r>
-              <a:rPr/>
               <a:t>Quarto</a:t>
             </a:r>
           </a:p>
@@ -6024,17 +6352,20 @@
               <a:buNone/>
             </a:pPr>
             <a:r>
-              <a:rPr/>
-              <a:t>Quarto enables you to weave together content and executable code into a finished presentation. To learn more about Quarto presentations see </a:t>
-            </a:r>
-            <a:r>
-              <a:rPr>
+              <a:t>Quarto enables you to weave together content and executable code into a finished presentation. </a:t>
+            </a:r>
+            <a:r>
+              <a:rPr dirty="0"/>
+              <a:t>To learn more about Quarto presentations see </a:t>
+            </a:r>
+            <a:r>
+              <a:rPr dirty="0">
                 <a:hlinkClick r:id="rId2"/>
               </a:rPr>
               <a:t>https://quarto.org/docs/presentations/</a:t>
             </a:r>
             <a:r>
-              <a:rPr/>
+              <a:rPr dirty="0"/>
               <a:t>.</a:t>
             </a:r>
           </a:p>
@@ -6103,7 +6434,6 @@
               <a:buNone/>
             </a:pPr>
             <a:r>
-              <a:rPr/>
               <a:t>Bullets</a:t>
             </a:r>
           </a:p>
@@ -6128,29 +6458,29 @@
               <a:buNone/>
             </a:pPr>
             <a:r>
-              <a:rPr/>
+              <a:rPr dirty="0"/>
               <a:t>When you click the </a:t>
             </a:r>
             <a:r>
-              <a:rPr b="1"/>
+              <a:rPr b="1" dirty="0"/>
               <a:t>Render</a:t>
             </a:r>
             <a:r>
-              <a:rPr/>
+              <a:rPr dirty="0"/>
               <a:t> button a document will be generated that includes:</a:t>
             </a:r>
           </a:p>
           <a:p>
             <a:pPr lvl="0"/>
             <a:r>
-              <a:rPr/>
+              <a:rPr dirty="0"/>
               <a:t>Content authored with markdown</a:t>
             </a:r>
           </a:p>
           <a:p>
             <a:pPr lvl="0"/>
             <a:r>
-              <a:rPr/>
+              <a:rPr dirty="0"/>
               <a:t>Output from executable code</a:t>
             </a:r>
           </a:p>
@@ -6224,7 +6554,6 @@
               <a:buNone/>
             </a:pPr>
             <a:r>
-              <a:rPr/>
               <a:t>Graphics generated by R</a:t>
             </a:r>
           </a:p>
@@ -6274,7 +6603,6 @@
               <a:buNone/>
             </a:pPr>
             <a:r>
-              <a:rPr/>
               <a:t>Colors</a:t>
             </a:r>
           </a:p>
@@ -6380,7 +6708,6 @@
               <a:buNone/>
             </a:pPr>
             <a:r>
-              <a:rPr/>
               <a:t>Results</a:t>
             </a:r>
           </a:p>
@@ -6405,7 +6732,6 @@
               <a:buNone/>
             </a:pPr>
             <a:r>
-              <a:rPr/>
               <a:t>The iris dataset was used for this demo.</a:t>
             </a:r>
           </a:p>
@@ -6786,4 +7112,319 @@
   </a:objectDefaults>
   <a:extraClrSchemeLst/>
 </a:theme>
+</file>
+
+<file path=ppt/theme/theme2.xml><?xml version="1.0" encoding="utf-8"?>
+<a:theme xmlns:a="http://schemas.openxmlformats.org/drawingml/2006/main" name="Office Theme">
+  <a:themeElements>
+    <a:clrScheme name="Office">
+      <a:dk1>
+        <a:sysClr val="windowText" lastClr="000000"/>
+      </a:dk1>
+      <a:lt1>
+        <a:sysClr val="window" lastClr="FFFFFF"/>
+      </a:lt1>
+      <a:dk2>
+        <a:srgbClr val="0E2841"/>
+      </a:dk2>
+      <a:lt2>
+        <a:srgbClr val="E8E8E8"/>
+      </a:lt2>
+      <a:accent1>
+        <a:srgbClr val="156082"/>
+      </a:accent1>
+      <a:accent2>
+        <a:srgbClr val="E97132"/>
+      </a:accent2>
+      <a:accent3>
+        <a:srgbClr val="196B24"/>
+      </a:accent3>
+      <a:accent4>
+        <a:srgbClr val="0F9ED5"/>
+      </a:accent4>
+      <a:accent5>
+        <a:srgbClr val="A02B93"/>
+      </a:accent5>
+      <a:accent6>
+        <a:srgbClr val="4EA72E"/>
+      </a:accent6>
+      <a:hlink>
+        <a:srgbClr val="467886"/>
+      </a:hlink>
+      <a:folHlink>
+        <a:srgbClr val="96607D"/>
+      </a:folHlink>
+    </a:clrScheme>
+    <a:fontScheme name="Office">
+      <a:majorFont>
+        <a:latin typeface="Aptos Display" panose="02110004020202020204"/>
+        <a:ea typeface=""/>
+        <a:cs typeface=""/>
+        <a:font script="Jpan" typeface="游ゴシック Light"/>
+        <a:font script="Hang" typeface="맑은 고딕"/>
+        <a:font script="Hans" typeface="等线 Light"/>
+        <a:font script="Hant" typeface="新細明體"/>
+        <a:font script="Arab" typeface="Times New Roman"/>
+        <a:font script="Hebr" typeface="Times New Roman"/>
+        <a:font script="Thai" typeface="Angsana New"/>
+        <a:font script="Ethi" typeface="Nyala"/>
+        <a:font script="Beng" typeface="Vrinda"/>
+        <a:font script="Gujr" typeface="Shruti"/>
+        <a:font script="Khmr" typeface="MoolBoran"/>
+        <a:font script="Knda" typeface="Tunga"/>
+        <a:font script="Guru" typeface="Raavi"/>
+        <a:font script="Cans" typeface="Euphemia"/>
+        <a:font script="Cher" typeface="Plantagenet Cherokee"/>
+        <a:font script="Yiii" typeface="Microsoft Yi Baiti"/>
+        <a:font script="Tibt" typeface="Microsoft Himalaya"/>
+        <a:font script="Thaa" typeface="MV Boli"/>
+        <a:font script="Deva" typeface="Mangal"/>
+        <a:font script="Telu" typeface="Gautami"/>
+        <a:font script="Taml" typeface="Latha"/>
+        <a:font script="Syrc" typeface="Estrangelo Edessa"/>
+        <a:font script="Orya" typeface="Kalinga"/>
+        <a:font script="Mlym" typeface="Kartika"/>
+        <a:font script="Laoo" typeface="DokChampa"/>
+        <a:font script="Sinh" typeface="Iskoola Pota"/>
+        <a:font script="Mong" typeface="Mongolian Baiti"/>
+        <a:font script="Viet" typeface="Times New Roman"/>
+        <a:font script="Uigh" typeface="Microsoft Uighur"/>
+        <a:font script="Geor" typeface="Sylfaen"/>
+        <a:font script="Armn" typeface="Arial"/>
+        <a:font script="Bugi" typeface="Leelawadee UI"/>
+        <a:font script="Bopo" typeface="Microsoft JhengHei"/>
+        <a:font script="Java" typeface="Javanese Text"/>
+        <a:font script="Lisu" typeface="Segoe UI"/>
+        <a:font script="Mymr" typeface="Myanmar Text"/>
+        <a:font script="Nkoo" typeface="Ebrima"/>
+        <a:font script="Olck" typeface="Nirmala UI"/>
+        <a:font script="Osma" typeface="Ebrima"/>
+        <a:font script="Phag" typeface="Phagspa"/>
+        <a:font script="Syrn" typeface="Estrangelo Edessa"/>
+        <a:font script="Syrj" typeface="Estrangelo Edessa"/>
+        <a:font script="Syre" typeface="Estrangelo Edessa"/>
+        <a:font script="Sora" typeface="Nirmala UI"/>
+        <a:font script="Tale" typeface="Microsoft Tai Le"/>
+        <a:font script="Talu" typeface="Microsoft New Tai Lue"/>
+        <a:font script="Tfng" typeface="Ebrima"/>
+      </a:majorFont>
+      <a:minorFont>
+        <a:latin typeface="Aptos" panose="02110004020202020204"/>
+        <a:ea typeface=""/>
+        <a:cs typeface=""/>
+        <a:font script="Jpan" typeface="游ゴシック"/>
+        <a:font script="Hang" typeface="맑은 고딕"/>
+        <a:font script="Hans" typeface="等线"/>
+        <a:font script="Hant" typeface="新細明體"/>
+        <a:font script="Arab" typeface="Arial"/>
+        <a:font script="Hebr" typeface="Arial"/>
+        <a:font script="Thai" typeface="Cordia New"/>
+        <a:font script="Ethi" typeface="Nyala"/>
+        <a:font script="Beng" typeface="Vrinda"/>
+        <a:font script="Gujr" typeface="Shruti"/>
+        <a:font script="Khmr" typeface="DaunPenh"/>
+        <a:font script="Knda" typeface="Tunga"/>
+        <a:font script="Guru" typeface="Raavi"/>
+        <a:font script="Cans" typeface="Euphemia"/>
+        <a:font script="Cher" typeface="Plantagenet Cherokee"/>
+        <a:font script="Yiii" typeface="Microsoft Yi Baiti"/>
+        <a:font script="Tibt" typeface="Microsoft Himalaya"/>
+        <a:font script="Thaa" typeface="MV Boli"/>
+        <a:font script="Deva" typeface="Mangal"/>
+        <a:font script="Telu" typeface="Gautami"/>
+        <a:font script="Taml" typeface="Latha"/>
+        <a:font script="Syrc" typeface="Estrangelo Edessa"/>
+        <a:font script="Orya" typeface="Kalinga"/>
+        <a:font script="Mlym" typeface="Kartika"/>
+        <a:font script="Laoo" typeface="DokChampa"/>
+        <a:font script="Sinh" typeface="Iskoola Pota"/>
+        <a:font script="Mong" typeface="Mongolian Baiti"/>
+        <a:font script="Viet" typeface="Arial"/>
+        <a:font script="Uigh" typeface="Microsoft Uighur"/>
+        <a:font script="Geor" typeface="Sylfaen"/>
+        <a:font script="Armn" typeface="Arial"/>
+        <a:font script="Bugi" typeface="Leelawadee UI"/>
+        <a:font script="Bopo" typeface="Microsoft JhengHei"/>
+        <a:font script="Java" typeface="Javanese Text"/>
+        <a:font script="Lisu" typeface="Segoe UI"/>
+        <a:font script="Mymr" typeface="Myanmar Text"/>
+        <a:font script="Nkoo" typeface="Ebrima"/>
+        <a:font script="Olck" typeface="Nirmala UI"/>
+        <a:font script="Osma" typeface="Ebrima"/>
+        <a:font script="Phag" typeface="Phagspa"/>
+        <a:font script="Syrn" typeface="Estrangelo Edessa"/>
+        <a:font script="Syrj" typeface="Estrangelo Edessa"/>
+        <a:font script="Syre" typeface="Estrangelo Edessa"/>
+        <a:font script="Sora" typeface="Nirmala UI"/>
+        <a:font script="Tale" typeface="Microsoft Tai Le"/>
+        <a:font script="Talu" typeface="Microsoft New Tai Lue"/>
+        <a:font script="Tfng" typeface="Ebrima"/>
+      </a:minorFont>
+    </a:fontScheme>
+    <a:fmtScheme name="Office">
+      <a:fillStyleLst>
+        <a:solidFill>
+          <a:schemeClr val="phClr"/>
+        </a:solidFill>
+        <a:gradFill rotWithShape="1">
+          <a:gsLst>
+            <a:gs pos="0">
+              <a:schemeClr val="phClr">
+                <a:lumMod val="110000"/>
+                <a:satMod val="105000"/>
+                <a:tint val="67000"/>
+              </a:schemeClr>
+            </a:gs>
+            <a:gs pos="50000">
+              <a:schemeClr val="phClr">
+                <a:lumMod val="105000"/>
+                <a:satMod val="103000"/>
+                <a:tint val="73000"/>
+              </a:schemeClr>
+            </a:gs>
+            <a:gs pos="100000">
+              <a:schemeClr val="phClr">
+                <a:lumMod val="105000"/>
+                <a:satMod val="109000"/>
+                <a:tint val="81000"/>
+              </a:schemeClr>
+            </a:gs>
+          </a:gsLst>
+          <a:lin ang="5400000" scaled="0"/>
+        </a:gradFill>
+        <a:gradFill rotWithShape="1">
+          <a:gsLst>
+            <a:gs pos="0">
+              <a:schemeClr val="phClr">
+                <a:satMod val="103000"/>
+                <a:lumMod val="102000"/>
+                <a:tint val="94000"/>
+              </a:schemeClr>
+            </a:gs>
+            <a:gs pos="50000">
+              <a:schemeClr val="phClr">
+                <a:satMod val="110000"/>
+                <a:lumMod val="100000"/>
+                <a:shade val="100000"/>
+              </a:schemeClr>
+            </a:gs>
+            <a:gs pos="100000">
+              <a:schemeClr val="phClr">
+                <a:lumMod val="99000"/>
+                <a:satMod val="120000"/>
+                <a:shade val="78000"/>
+              </a:schemeClr>
+            </a:gs>
+          </a:gsLst>
+          <a:lin ang="5400000" scaled="0"/>
+        </a:gradFill>
+      </a:fillStyleLst>
+      <a:lnStyleLst>
+        <a:ln w="12700" cap="flat" cmpd="sng" algn="ctr">
+          <a:solidFill>
+            <a:schemeClr val="phClr"/>
+          </a:solidFill>
+          <a:prstDash val="solid"/>
+          <a:miter lim="800000"/>
+        </a:ln>
+        <a:ln w="19050" cap="flat" cmpd="sng" algn="ctr">
+          <a:solidFill>
+            <a:schemeClr val="phClr"/>
+          </a:solidFill>
+          <a:prstDash val="solid"/>
+          <a:miter lim="800000"/>
+        </a:ln>
+        <a:ln w="25400" cap="flat" cmpd="sng" algn="ctr">
+          <a:solidFill>
+            <a:schemeClr val="phClr"/>
+          </a:solidFill>
+          <a:prstDash val="solid"/>
+          <a:miter lim="800000"/>
+        </a:ln>
+      </a:lnStyleLst>
+      <a:effectStyleLst>
+        <a:effectStyle>
+          <a:effectLst/>
+        </a:effectStyle>
+        <a:effectStyle>
+          <a:effectLst/>
+        </a:effectStyle>
+        <a:effectStyle>
+          <a:effectLst>
+            <a:outerShdw blurRad="57150" dist="19050" dir="5400000" algn="ctr" rotWithShape="0">
+              <a:srgbClr val="000000">
+                <a:alpha val="63000"/>
+              </a:srgbClr>
+            </a:outerShdw>
+          </a:effectLst>
+        </a:effectStyle>
+      </a:effectStyleLst>
+      <a:bgFillStyleLst>
+        <a:solidFill>
+          <a:schemeClr val="phClr"/>
+        </a:solidFill>
+        <a:solidFill>
+          <a:schemeClr val="phClr">
+            <a:tint val="95000"/>
+            <a:satMod val="170000"/>
+          </a:schemeClr>
+        </a:solidFill>
+        <a:gradFill rotWithShape="1">
+          <a:gsLst>
+            <a:gs pos="0">
+              <a:schemeClr val="phClr">
+                <a:tint val="93000"/>
+                <a:satMod val="150000"/>
+                <a:shade val="98000"/>
+                <a:lumMod val="102000"/>
+              </a:schemeClr>
+            </a:gs>
+            <a:gs pos="50000">
+              <a:schemeClr val="phClr">
+                <a:tint val="98000"/>
+                <a:satMod val="130000"/>
+                <a:shade val="90000"/>
+                <a:lumMod val="103000"/>
+              </a:schemeClr>
+            </a:gs>
+            <a:gs pos="100000">
+              <a:schemeClr val="phClr">
+                <a:shade val="63000"/>
+                <a:satMod val="120000"/>
+              </a:schemeClr>
+            </a:gs>
+          </a:gsLst>
+          <a:lin ang="5400000" scaled="0"/>
+        </a:gradFill>
+      </a:bgFillStyleLst>
+    </a:fmtScheme>
+  </a:themeElements>
+  <a:objectDefaults>
+    <a:lnDef>
+      <a:spPr/>
+      <a:bodyPr/>
+      <a:lstStyle/>
+      <a:style>
+        <a:lnRef idx="2">
+          <a:schemeClr val="accent1"/>
+        </a:lnRef>
+        <a:fillRef idx="0">
+          <a:schemeClr val="accent1"/>
+        </a:fillRef>
+        <a:effectRef idx="1">
+          <a:schemeClr val="accent1"/>
+        </a:effectRef>
+        <a:fontRef idx="minor">
+          <a:schemeClr val="tx1"/>
+        </a:fontRef>
+      </a:style>
+    </a:lnDef>
+  </a:objectDefaults>
+  <a:extraClrSchemeLst/>
+  <a:extLst>
+    <a:ext uri="{05A4C25C-085E-4340-85A3-A5531E510DB2}">
+      <thm15:themeFamily xmlns:thm15="http://schemas.microsoft.com/office/thememl/2012/main" name="Office Theme" id="{2E142A2C-CD16-42D6-873A-C26D2A0506FA}" vid="{1BDDFF52-6CD6-40A5-AB3C-68EB2F1E4D0A}"/>
+    </a:ext>
+  </a:extLst>
+</a:theme>
 </file>